--- a/第7章-机器学习与遥感信息提取-8课时/第7章-机器学习与遥感信息提取.pptx
+++ b/第7章-机器学习与遥感信息提取-8课时/第7章-机器学习与遥感信息提取.pptx
@@ -6,10 +6,10 @@
     <p:sldMasterId id="2147484986" r:id="rId2"/>
   </p:sldMasterIdLst>
   <p:notesMasterIdLst>
-    <p:notesMasterId r:id="rId17"/>
+    <p:notesMasterId r:id="rId18"/>
   </p:notesMasterIdLst>
   <p:handoutMasterIdLst>
-    <p:handoutMasterId r:id="rId18"/>
+    <p:handoutMasterId r:id="rId19"/>
   </p:handoutMasterIdLst>
   <p:sldIdLst>
     <p:sldId id="2708" r:id="rId3"/>
@@ -24,13 +24,14 @@
     <p:sldId id="2743" r:id="rId12"/>
     <p:sldId id="2793" r:id="rId13"/>
     <p:sldId id="2794" r:id="rId14"/>
-    <p:sldId id="2776" r:id="rId15"/>
-    <p:sldId id="2722" r:id="rId16"/>
+    <p:sldId id="2809" r:id="rId15"/>
+    <p:sldId id="2776" r:id="rId16"/>
+    <p:sldId id="2722" r:id="rId17"/>
   </p:sldIdLst>
   <p:sldSz cx="12192000" cy="6858000"/>
   <p:notesSz cx="7099300" cy="10234613"/>
   <p:custDataLst>
-    <p:tags r:id="rId19"/>
+    <p:tags r:id="rId20"/>
   </p:custDataLst>
   <p:defaultTextStyle>
     <a:defPPr>
@@ -7817,6 +7818,85 @@
         <p:cNvPr id="1" name="">
           <a:extLst>
             <a:ext uri="{FF2B5EF4-FFF2-40B4-BE49-F238E27FC236}">
+              <a16:creationId xmlns:a16="http://schemas.microsoft.com/office/drawing/2014/main" id="{51BFBDFE-E3BF-283B-DA6A-267D6CD287EE}"/>
+            </a:ext>
+          </a:extLst>
+        </p:cNvPr>
+        <p:cNvGrpSpPr/>
+        <p:nvPr/>
+      </p:nvGrpSpPr>
+      <p:grpSpPr>
+        <a:xfrm>
+          <a:off x="0" y="0"/>
+          <a:ext cx="0" cy="0"/>
+          <a:chOff x="0" y="0"/>
+          <a:chExt cx="0" cy="0"/>
+        </a:xfrm>
+      </p:grpSpPr>
+      <p:sp>
+        <p:nvSpPr>
+          <p:cNvPr id="2" name="幻灯片图像占位符 1">
+            <a:extLst>
+              <a:ext uri="{FF2B5EF4-FFF2-40B4-BE49-F238E27FC236}">
+                <a16:creationId xmlns:a16="http://schemas.microsoft.com/office/drawing/2014/main" id="{8EC4376D-177C-7562-D572-4258B1DA5AA2}"/>
+              </a:ext>
+            </a:extLst>
+          </p:cNvPr>
+          <p:cNvSpPr>
+            <a:spLocks noGrp="1" noRot="1" noChangeAspect="1"/>
+          </p:cNvSpPr>
+          <p:nvPr>
+            <p:ph type="sldImg"/>
+          </p:nvPr>
+        </p:nvSpPr>
+        <p:spPr/>
+      </p:sp>
+      <p:sp>
+        <p:nvSpPr>
+          <p:cNvPr id="3" name="备注占位符 2">
+            <a:extLst>
+              <a:ext uri="{FF2B5EF4-FFF2-40B4-BE49-F238E27FC236}">
+                <a16:creationId xmlns:a16="http://schemas.microsoft.com/office/drawing/2014/main" id="{B7CC69B4-2B4D-3591-ED4E-5251BE6074DD}"/>
+              </a:ext>
+            </a:extLst>
+          </p:cNvPr>
+          <p:cNvSpPr>
+            <a:spLocks noGrp="1"/>
+          </p:cNvSpPr>
+          <p:nvPr>
+            <p:ph type="body" idx="1"/>
+          </p:nvPr>
+        </p:nvSpPr>
+        <p:spPr/>
+        <p:txBody>
+          <a:bodyPr/>
+          <a:lstStyle/>
+          <a:p>
+            <a:endParaRPr lang="zh-CN" altLang="en-US" dirty="0"/>
+          </a:p>
+        </p:txBody>
+      </p:sp>
+    </p:spTree>
+    <p:extLst>
+      <p:ext uri="{BB962C8B-B14F-4D97-AF65-F5344CB8AC3E}">
+        <p14:creationId xmlns:p14="http://schemas.microsoft.com/office/powerpoint/2010/main" val="1488348322"/>
+      </p:ext>
+    </p:extLst>
+  </p:cSld>
+  <p:clrMapOvr>
+    <a:masterClrMapping/>
+  </p:clrMapOvr>
+</p:notes>
+</file>
+
+<file path=ppt/notesSlides/notesSlide14.xml><?xml version="1.0" encoding="utf-8"?>
+<p:notes xmlns:a="http://schemas.openxmlformats.org/drawingml/2006/main" xmlns:r="http://schemas.openxmlformats.org/officeDocument/2006/relationships" xmlns:p="http://schemas.openxmlformats.org/presentationml/2006/main">
+  <p:cSld>
+    <p:spTree>
+      <p:nvGrpSpPr>
+        <p:cNvPr id="1" name="">
+          <a:extLst>
+            <a:ext uri="{FF2B5EF4-FFF2-40B4-BE49-F238E27FC236}">
               <a16:creationId xmlns:a16="http://schemas.microsoft.com/office/drawing/2014/main" id="{23E0FDCC-4F03-1C89-00C0-5C3958C010F3}"/>
             </a:ext>
           </a:extLst>
@@ -7893,7 +7973,7 @@
 </p:notes>
 </file>
 
-<file path=ppt/notesSlides/notesSlide14.xml><?xml version="1.0" encoding="utf-8"?>
+<file path=ppt/notesSlides/notesSlide15.xml><?xml version="1.0" encoding="utf-8"?>
 <p:notes xmlns:a="http://schemas.openxmlformats.org/drawingml/2006/main" xmlns:r="http://schemas.openxmlformats.org/officeDocument/2006/relationships" xmlns:p="http://schemas.openxmlformats.org/presentationml/2006/main">
   <p:cSld>
     <p:spTree>
@@ -18400,6 +18480,575 @@
         <p:cNvPr id="1" name="">
           <a:extLst>
             <a:ext uri="{FF2B5EF4-FFF2-40B4-BE49-F238E27FC236}">
+              <a16:creationId xmlns:a16="http://schemas.microsoft.com/office/drawing/2014/main" id="{C5C59A1A-F54E-2E4C-4C6B-4DA2B1F23DFB}"/>
+            </a:ext>
+          </a:extLst>
+        </p:cNvPr>
+        <p:cNvGrpSpPr/>
+        <p:nvPr/>
+      </p:nvGrpSpPr>
+      <p:grpSpPr>
+        <a:xfrm>
+          <a:off x="0" y="0"/>
+          <a:ext cx="0" cy="0"/>
+          <a:chOff x="0" y="0"/>
+          <a:chExt cx="0" cy="0"/>
+        </a:xfrm>
+      </p:grpSpPr>
+      <p:sp>
+        <p:nvSpPr>
+          <p:cNvPr id="11" name="TextBox 10">
+            <a:extLst>
+              <a:ext uri="{FF2B5EF4-FFF2-40B4-BE49-F238E27FC236}">
+                <a16:creationId xmlns:a16="http://schemas.microsoft.com/office/drawing/2014/main" id="{FB6A0943-DF23-D3D7-567C-7A067E6245E0}"/>
+              </a:ext>
+            </a:extLst>
+          </p:cNvPr>
+          <p:cNvSpPr txBox="1"/>
+          <p:nvPr/>
+        </p:nvSpPr>
+        <p:spPr>
+          <a:xfrm>
+            <a:off x="138738" y="857007"/>
+            <a:ext cx="11994406" cy="743986"/>
+          </a:xfrm>
+          <a:prstGeom prst="rect">
+            <a:avLst/>
+          </a:prstGeom>
+          <a:noFill/>
+        </p:spPr>
+        <p:txBody>
+          <a:bodyPr wrap="square" rtlCol="0">
+            <a:spAutoFit/>
+          </a:bodyPr>
+          <a:lstStyle/>
+          <a:p>
+            <a:pPr algn="just">
+              <a:lnSpc>
+                <a:spcPct val="150000"/>
+              </a:lnSpc>
+            </a:pPr>
+            <a:r>
+              <a:rPr lang="zh-CN" altLang="en-US" sz="3200" b="1" dirty="0">
+                <a:solidFill>
+                  <a:srgbClr val="333333"/>
+                </a:solidFill>
+                <a:latin typeface="+mn-ea"/>
+                <a:ea typeface="+mn-ea"/>
+              </a:rPr>
+              <a:t>章节实验</a:t>
+            </a:r>
+            <a:r>
+              <a:rPr lang="en-US" altLang="zh-CN" sz="3200" b="1" dirty="0">
+                <a:solidFill>
+                  <a:srgbClr val="333333"/>
+                </a:solidFill>
+                <a:latin typeface="+mn-ea"/>
+                <a:ea typeface="+mn-ea"/>
+              </a:rPr>
+              <a:t>-</a:t>
+            </a:r>
+            <a:r>
+              <a:rPr lang="zh-CN" altLang="en-US" sz="3200" b="1" dirty="0">
+                <a:solidFill>
+                  <a:srgbClr val="333333"/>
+                </a:solidFill>
+                <a:latin typeface="+mn-ea"/>
+                <a:ea typeface="+mn-ea"/>
+              </a:rPr>
+              <a:t> 基于机器学习的家乡建筑物信息遥感提取 </a:t>
+            </a:r>
+            <a:r>
+              <a:rPr lang="en-US" altLang="zh-CN" sz="3200" b="1" dirty="0">
+                <a:solidFill>
+                  <a:srgbClr val="333333"/>
+                </a:solidFill>
+                <a:latin typeface="+mn-ea"/>
+                <a:ea typeface="+mn-ea"/>
+              </a:rPr>
+              <a:t>(4</a:t>
+            </a:r>
+            <a:r>
+              <a:rPr lang="zh-CN" altLang="en-US" sz="3200" b="1" dirty="0">
+                <a:solidFill>
+                  <a:srgbClr val="333333"/>
+                </a:solidFill>
+                <a:latin typeface="+mn-ea"/>
+                <a:ea typeface="+mn-ea"/>
+              </a:rPr>
+              <a:t>实验学时</a:t>
+            </a:r>
+            <a:r>
+              <a:rPr lang="en-US" altLang="zh-CN" sz="3200" b="1" dirty="0">
+                <a:solidFill>
+                  <a:srgbClr val="333333"/>
+                </a:solidFill>
+                <a:latin typeface="+mn-ea"/>
+                <a:ea typeface="+mn-ea"/>
+              </a:rPr>
+              <a:t>)</a:t>
+            </a:r>
+          </a:p>
+        </p:txBody>
+      </p:sp>
+      <p:sp>
+        <p:nvSpPr>
+          <p:cNvPr id="13" name="TextBox 12">
+            <a:extLst>
+              <a:ext uri="{FF2B5EF4-FFF2-40B4-BE49-F238E27FC236}">
+                <a16:creationId xmlns:a16="http://schemas.microsoft.com/office/drawing/2014/main" id="{A262E176-9D36-774A-9E05-6859B4FD62E5}"/>
+              </a:ext>
+            </a:extLst>
+          </p:cNvPr>
+          <p:cNvSpPr txBox="1"/>
+          <p:nvPr/>
+        </p:nvSpPr>
+        <p:spPr>
+          <a:xfrm>
+            <a:off x="327923" y="1594687"/>
+            <a:ext cx="11676117" cy="5228291"/>
+          </a:xfrm>
+          <a:prstGeom prst="rect">
+            <a:avLst/>
+          </a:prstGeom>
+          <a:noFill/>
+        </p:spPr>
+        <p:txBody>
+          <a:bodyPr wrap="square">
+            <a:spAutoFit/>
+          </a:bodyPr>
+          <a:lstStyle/>
+          <a:p>
+            <a:pPr algn="just">
+              <a:lnSpc>
+                <a:spcPct val="150000"/>
+              </a:lnSpc>
+            </a:pPr>
+            <a:r>
+              <a:rPr lang="zh-CN" altLang="en-US" sz="2800" b="1" dirty="0">
+                <a:solidFill>
+                  <a:srgbClr val="FF0000"/>
+                </a:solidFill>
+                <a:latin typeface="Times New Roman" panose="02020603050405020304" pitchFamily="18" charset="0"/>
+                <a:ea typeface="+mn-ea"/>
+                <a:cs typeface="Times New Roman" panose="02020603050405020304" pitchFamily="18" charset="0"/>
+              </a:rPr>
+              <a:t>实验目标：</a:t>
+            </a:r>
+            <a:endParaRPr lang="en-US" altLang="zh-CN" sz="2800" b="1" dirty="0">
+              <a:solidFill>
+                <a:srgbClr val="FF0000"/>
+              </a:solidFill>
+              <a:latin typeface="Times New Roman" panose="02020603050405020304" pitchFamily="18" charset="0"/>
+              <a:ea typeface="+mn-ea"/>
+              <a:cs typeface="Times New Roman" panose="02020603050405020304" pitchFamily="18" charset="0"/>
+            </a:endParaRPr>
+          </a:p>
+          <a:p>
+            <a:pPr algn="just">
+              <a:lnSpc>
+                <a:spcPct val="150000"/>
+              </a:lnSpc>
+            </a:pPr>
+            <a:r>
+              <a:rPr lang="zh-CN" altLang="en-US" dirty="0">
+                <a:solidFill>
+                  <a:schemeClr val="bg2"/>
+                </a:solidFill>
+                <a:latin typeface="Times New Roman" panose="02020603050405020304" pitchFamily="18" charset="0"/>
+                <a:ea typeface="+mn-ea"/>
+                <a:cs typeface="Times New Roman" panose="02020603050405020304" pitchFamily="18" charset="0"/>
+              </a:rPr>
+              <a:t>掌握</a:t>
+            </a:r>
+            <a:r>
+              <a:rPr lang="en-US" altLang="zh-CN" dirty="0">
+                <a:solidFill>
+                  <a:schemeClr val="bg2"/>
+                </a:solidFill>
+                <a:latin typeface="Times New Roman" panose="02020603050405020304" pitchFamily="18" charset="0"/>
+                <a:ea typeface="+mn-ea"/>
+                <a:cs typeface="Times New Roman" panose="02020603050405020304" pitchFamily="18" charset="0"/>
+              </a:rPr>
+              <a:t>scikit-learn</a:t>
+            </a:r>
+            <a:r>
+              <a:rPr lang="zh-CN" altLang="en-US" dirty="0">
+                <a:solidFill>
+                  <a:schemeClr val="bg2"/>
+                </a:solidFill>
+                <a:latin typeface="Times New Roman" panose="02020603050405020304" pitchFamily="18" charset="0"/>
+                <a:ea typeface="+mn-ea"/>
+                <a:cs typeface="Times New Roman" panose="02020603050405020304" pitchFamily="18" charset="0"/>
+              </a:rPr>
+              <a:t>开源库的使用以及机器学习算法的遥感分类应用</a:t>
+            </a:r>
+            <a:endParaRPr lang="en-US" altLang="zh-CN" dirty="0">
+              <a:solidFill>
+                <a:schemeClr val="bg2"/>
+              </a:solidFill>
+              <a:latin typeface="Times New Roman" panose="02020603050405020304" pitchFamily="18" charset="0"/>
+              <a:ea typeface="+mn-ea"/>
+              <a:cs typeface="Times New Roman" panose="02020603050405020304" pitchFamily="18" charset="0"/>
+            </a:endParaRPr>
+          </a:p>
+          <a:p>
+            <a:pPr algn="just">
+              <a:lnSpc>
+                <a:spcPct val="150000"/>
+              </a:lnSpc>
+            </a:pPr>
+            <a:r>
+              <a:rPr lang="zh-CN" altLang="en-US" sz="2800" b="1" dirty="0">
+                <a:solidFill>
+                  <a:srgbClr val="FF0000"/>
+                </a:solidFill>
+                <a:latin typeface="Times New Roman" panose="02020603050405020304" pitchFamily="18" charset="0"/>
+                <a:ea typeface="+mn-ea"/>
+                <a:cs typeface="Times New Roman" panose="02020603050405020304" pitchFamily="18" charset="0"/>
+              </a:rPr>
+              <a:t>实验内容及要求：</a:t>
+            </a:r>
+            <a:endParaRPr lang="en-US" altLang="zh-CN" sz="2800" b="1" dirty="0">
+              <a:solidFill>
+                <a:srgbClr val="FF0000"/>
+              </a:solidFill>
+              <a:latin typeface="Times New Roman" panose="02020603050405020304" pitchFamily="18" charset="0"/>
+              <a:ea typeface="+mn-ea"/>
+              <a:cs typeface="Times New Roman" panose="02020603050405020304" pitchFamily="18" charset="0"/>
+            </a:endParaRPr>
+          </a:p>
+          <a:p>
+            <a:pPr algn="just">
+              <a:lnSpc>
+                <a:spcPct val="150000"/>
+              </a:lnSpc>
+            </a:pPr>
+            <a:r>
+              <a:rPr lang="zh-CN" altLang="en-US" dirty="0">
+                <a:solidFill>
+                  <a:schemeClr val="bg2"/>
+                </a:solidFill>
+                <a:latin typeface="Times New Roman" panose="02020603050405020304" pitchFamily="18" charset="0"/>
+                <a:ea typeface="+mn-ea"/>
+                <a:cs typeface="Times New Roman" panose="02020603050405020304" pitchFamily="18" charset="0"/>
+              </a:rPr>
+              <a:t>（</a:t>
+            </a:r>
+            <a:r>
+              <a:rPr lang="en-US" altLang="zh-CN" dirty="0">
+                <a:solidFill>
+                  <a:schemeClr val="bg2"/>
+                </a:solidFill>
+                <a:latin typeface="Times New Roman" panose="02020603050405020304" pitchFamily="18" charset="0"/>
+                <a:ea typeface="+mn-ea"/>
+                <a:cs typeface="Times New Roman" panose="02020603050405020304" pitchFamily="18" charset="0"/>
+              </a:rPr>
+              <a:t>1</a:t>
+            </a:r>
+            <a:r>
+              <a:rPr lang="zh-CN" altLang="en-US" dirty="0">
+                <a:solidFill>
+                  <a:schemeClr val="bg2"/>
+                </a:solidFill>
+                <a:latin typeface="Times New Roman" panose="02020603050405020304" pitchFamily="18" charset="0"/>
+                <a:ea typeface="+mn-ea"/>
+                <a:cs typeface="Times New Roman" panose="02020603050405020304" pitchFamily="18" charset="0"/>
+              </a:rPr>
+              <a:t>）制作家乡城市建筑物遥感样本和非建筑物遥感样本数据 （</a:t>
+            </a:r>
+            <a:r>
+              <a:rPr lang="en-US" altLang="zh-CN" dirty="0">
+                <a:solidFill>
+                  <a:schemeClr val="bg2"/>
+                </a:solidFill>
+                <a:latin typeface="Times New Roman" panose="02020603050405020304" pitchFamily="18" charset="0"/>
+                <a:ea typeface="+mn-ea"/>
+                <a:cs typeface="Times New Roman" panose="02020603050405020304" pitchFamily="18" charset="0"/>
+              </a:rPr>
+              <a:t>1</a:t>
+            </a:r>
+            <a:r>
+              <a:rPr lang="zh-CN" altLang="en-US" dirty="0">
+                <a:solidFill>
+                  <a:schemeClr val="bg2"/>
+                </a:solidFill>
+                <a:latin typeface="Times New Roman" panose="02020603050405020304" pitchFamily="18" charset="0"/>
+                <a:ea typeface="+mn-ea"/>
+                <a:cs typeface="Times New Roman" panose="02020603050405020304" pitchFamily="18" charset="0"/>
+              </a:rPr>
+              <a:t>学时）。</a:t>
+            </a:r>
+            <a:endParaRPr lang="en-US" altLang="zh-CN" dirty="0">
+              <a:solidFill>
+                <a:schemeClr val="bg2"/>
+              </a:solidFill>
+              <a:latin typeface="Times New Roman" panose="02020603050405020304" pitchFamily="18" charset="0"/>
+              <a:ea typeface="+mn-ea"/>
+              <a:cs typeface="Times New Roman" panose="02020603050405020304" pitchFamily="18" charset="0"/>
+            </a:endParaRPr>
+          </a:p>
+          <a:p>
+            <a:pPr algn="just">
+              <a:lnSpc>
+                <a:spcPct val="150000"/>
+              </a:lnSpc>
+            </a:pPr>
+            <a:r>
+              <a:rPr lang="zh-CN" altLang="en-US" dirty="0">
+                <a:solidFill>
+                  <a:schemeClr val="bg2"/>
+                </a:solidFill>
+                <a:latin typeface="Times New Roman" panose="02020603050405020304" pitchFamily="18" charset="0"/>
+                <a:ea typeface="+mn-ea"/>
+                <a:cs typeface="Times New Roman" panose="02020603050405020304" pitchFamily="18" charset="0"/>
+              </a:rPr>
+              <a:t>（</a:t>
+            </a:r>
+            <a:r>
+              <a:rPr lang="en-US" altLang="zh-CN" dirty="0">
+                <a:solidFill>
+                  <a:schemeClr val="bg2"/>
+                </a:solidFill>
+                <a:latin typeface="Times New Roman" panose="02020603050405020304" pitchFamily="18" charset="0"/>
+                <a:ea typeface="+mn-ea"/>
+                <a:cs typeface="Times New Roman" panose="02020603050405020304" pitchFamily="18" charset="0"/>
+              </a:rPr>
+              <a:t>2</a:t>
+            </a:r>
+            <a:r>
+              <a:rPr lang="zh-CN" altLang="en-US" dirty="0">
+                <a:solidFill>
+                  <a:schemeClr val="bg2"/>
+                </a:solidFill>
+                <a:latin typeface="Times New Roman" panose="02020603050405020304" pitchFamily="18" charset="0"/>
+                <a:ea typeface="+mn-ea"/>
+                <a:cs typeface="Times New Roman" panose="02020603050405020304" pitchFamily="18" charset="0"/>
+              </a:rPr>
+              <a:t>）选取机器学习算法，对其进行模型训练与评估（</a:t>
+            </a:r>
+            <a:r>
+              <a:rPr lang="en-US" altLang="zh-CN" dirty="0">
+                <a:solidFill>
+                  <a:schemeClr val="bg2"/>
+                </a:solidFill>
+                <a:latin typeface="Times New Roman" panose="02020603050405020304" pitchFamily="18" charset="0"/>
+                <a:ea typeface="+mn-ea"/>
+                <a:cs typeface="Times New Roman" panose="02020603050405020304" pitchFamily="18" charset="0"/>
+              </a:rPr>
+              <a:t>1</a:t>
+            </a:r>
+            <a:r>
+              <a:rPr lang="zh-CN" altLang="en-US" dirty="0">
+                <a:solidFill>
+                  <a:schemeClr val="bg2"/>
+                </a:solidFill>
+                <a:latin typeface="Times New Roman" panose="02020603050405020304" pitchFamily="18" charset="0"/>
+                <a:ea typeface="+mn-ea"/>
+                <a:cs typeface="Times New Roman" panose="02020603050405020304" pitchFamily="18" charset="0"/>
+              </a:rPr>
+              <a:t>学时）。</a:t>
+            </a:r>
+            <a:endParaRPr lang="en-US" altLang="zh-CN" dirty="0">
+              <a:solidFill>
+                <a:schemeClr val="bg2"/>
+              </a:solidFill>
+              <a:latin typeface="Times New Roman" panose="02020603050405020304" pitchFamily="18" charset="0"/>
+              <a:ea typeface="+mn-ea"/>
+              <a:cs typeface="Times New Roman" panose="02020603050405020304" pitchFamily="18" charset="0"/>
+            </a:endParaRPr>
+          </a:p>
+          <a:p>
+            <a:pPr algn="just">
+              <a:lnSpc>
+                <a:spcPct val="150000"/>
+              </a:lnSpc>
+            </a:pPr>
+            <a:r>
+              <a:rPr lang="zh-CN" altLang="en-US" dirty="0">
+                <a:solidFill>
+                  <a:schemeClr val="bg2"/>
+                </a:solidFill>
+                <a:latin typeface="Times New Roman" panose="02020603050405020304" pitchFamily="18" charset="0"/>
+                <a:ea typeface="+mn-ea"/>
+                <a:cs typeface="Times New Roman" panose="02020603050405020304" pitchFamily="18" charset="0"/>
+              </a:rPr>
+              <a:t>（</a:t>
+            </a:r>
+            <a:r>
+              <a:rPr lang="en-US" altLang="zh-CN" dirty="0">
+                <a:solidFill>
+                  <a:schemeClr val="bg2"/>
+                </a:solidFill>
+                <a:latin typeface="Times New Roman" panose="02020603050405020304" pitchFamily="18" charset="0"/>
+                <a:ea typeface="+mn-ea"/>
+                <a:cs typeface="Times New Roman" panose="02020603050405020304" pitchFamily="18" charset="0"/>
+              </a:rPr>
+              <a:t>3</a:t>
+            </a:r>
+            <a:r>
+              <a:rPr lang="zh-CN" altLang="en-US" dirty="0">
+                <a:solidFill>
+                  <a:schemeClr val="bg2"/>
+                </a:solidFill>
+                <a:latin typeface="Times New Roman" panose="02020603050405020304" pitchFamily="18" charset="0"/>
+                <a:ea typeface="+mn-ea"/>
+                <a:cs typeface="Times New Roman" panose="02020603050405020304" pitchFamily="18" charset="0"/>
+              </a:rPr>
+              <a:t>）应用训练模型对家乡城市建筑物进行分类及制图（</a:t>
+            </a:r>
+            <a:r>
+              <a:rPr lang="en-US" altLang="zh-CN" dirty="0">
+                <a:solidFill>
+                  <a:schemeClr val="bg2"/>
+                </a:solidFill>
+                <a:latin typeface="Times New Roman" panose="02020603050405020304" pitchFamily="18" charset="0"/>
+                <a:ea typeface="+mn-ea"/>
+                <a:cs typeface="Times New Roman" panose="02020603050405020304" pitchFamily="18" charset="0"/>
+              </a:rPr>
+              <a:t>2</a:t>
+            </a:r>
+            <a:r>
+              <a:rPr lang="zh-CN" altLang="en-US" dirty="0">
+                <a:solidFill>
+                  <a:schemeClr val="bg2"/>
+                </a:solidFill>
+                <a:latin typeface="Times New Roman" panose="02020603050405020304" pitchFamily="18" charset="0"/>
+                <a:ea typeface="+mn-ea"/>
+                <a:cs typeface="Times New Roman" panose="02020603050405020304" pitchFamily="18" charset="0"/>
+              </a:rPr>
+              <a:t>学时）。</a:t>
+            </a:r>
+            <a:endParaRPr lang="en-US" altLang="zh-CN" dirty="0">
+              <a:solidFill>
+                <a:schemeClr val="bg2"/>
+              </a:solidFill>
+              <a:latin typeface="Times New Roman" panose="02020603050405020304" pitchFamily="18" charset="0"/>
+              <a:ea typeface="+mn-ea"/>
+              <a:cs typeface="Times New Roman" panose="02020603050405020304" pitchFamily="18" charset="0"/>
+            </a:endParaRPr>
+          </a:p>
+          <a:p>
+            <a:pPr algn="just">
+              <a:lnSpc>
+                <a:spcPct val="150000"/>
+              </a:lnSpc>
+            </a:pPr>
+            <a:r>
+              <a:rPr lang="zh-CN" altLang="en-US" u="sng" dirty="0">
+                <a:solidFill>
+                  <a:schemeClr val="bg2"/>
+                </a:solidFill>
+                <a:latin typeface="Times New Roman" panose="02020603050405020304" pitchFamily="18" charset="0"/>
+                <a:ea typeface="+mn-ea"/>
+                <a:cs typeface="Times New Roman" panose="02020603050405020304" pitchFamily="18" charset="0"/>
+              </a:rPr>
+              <a:t>（</a:t>
+            </a:r>
+            <a:r>
+              <a:rPr lang="en-US" altLang="zh-CN" u="sng" dirty="0">
+                <a:solidFill>
+                  <a:schemeClr val="bg2"/>
+                </a:solidFill>
+                <a:latin typeface="Times New Roman" panose="02020603050405020304" pitchFamily="18" charset="0"/>
+                <a:ea typeface="+mn-ea"/>
+                <a:cs typeface="Times New Roman" panose="02020603050405020304" pitchFamily="18" charset="0"/>
+              </a:rPr>
+              <a:t>4</a:t>
+            </a:r>
+            <a:r>
+              <a:rPr lang="zh-CN" altLang="en-US" u="sng" dirty="0">
+                <a:solidFill>
+                  <a:schemeClr val="bg2"/>
+                </a:solidFill>
+                <a:latin typeface="Times New Roman" panose="02020603050405020304" pitchFamily="18" charset="0"/>
+                <a:ea typeface="+mn-ea"/>
+                <a:cs typeface="Times New Roman" panose="02020603050405020304" pitchFamily="18" charset="0"/>
+              </a:rPr>
+              <a:t>）结果及核心代码发课程群</a:t>
+            </a:r>
+            <a:r>
+              <a:rPr lang="zh-CN" altLang="en-US" dirty="0">
+                <a:solidFill>
+                  <a:schemeClr val="bg2"/>
+                </a:solidFill>
+                <a:latin typeface="Times New Roman" panose="02020603050405020304" pitchFamily="18" charset="0"/>
+                <a:ea typeface="+mn-ea"/>
+                <a:cs typeface="Times New Roman" panose="02020603050405020304" pitchFamily="18" charset="0"/>
+              </a:rPr>
+              <a:t>。</a:t>
+            </a:r>
+            <a:endParaRPr lang="en-US" altLang="zh-CN" dirty="0">
+              <a:solidFill>
+                <a:schemeClr val="bg2"/>
+              </a:solidFill>
+              <a:latin typeface="Times New Roman" panose="02020603050405020304" pitchFamily="18" charset="0"/>
+              <a:ea typeface="+mn-ea"/>
+              <a:cs typeface="Times New Roman" panose="02020603050405020304" pitchFamily="18" charset="0"/>
+            </a:endParaRPr>
+          </a:p>
+        </p:txBody>
+      </p:sp>
+      <p:sp>
+        <p:nvSpPr>
+          <p:cNvPr id="4" name="标题 2">
+            <a:extLst>
+              <a:ext uri="{FF2B5EF4-FFF2-40B4-BE49-F238E27FC236}">
+                <a16:creationId xmlns:a16="http://schemas.microsoft.com/office/drawing/2014/main" id="{C19CCF71-0C92-E71D-E268-60ADE4D81BF1}"/>
+              </a:ext>
+            </a:extLst>
+          </p:cNvPr>
+          <p:cNvSpPr>
+            <a:spLocks noGrp="1"/>
+          </p:cNvSpPr>
+          <p:nvPr>
+            <p:ph type="title"/>
+          </p:nvPr>
+        </p:nvSpPr>
+        <p:spPr>
+          <a:xfrm>
+            <a:off x="0" y="7938"/>
+            <a:ext cx="10699750" cy="792162"/>
+          </a:xfrm>
+        </p:spPr>
+        <p:txBody>
+          <a:bodyPr/>
+          <a:lstStyle/>
+          <a:p>
+            <a:r>
+              <a:rPr lang="zh-CN" altLang="en-US" dirty="0">
+                <a:latin typeface="微软雅黑" pitchFamily="34" charset="-122"/>
+                <a:ea typeface="微软雅黑" pitchFamily="34" charset="-122"/>
+              </a:rPr>
+              <a:t>三、地理数据可视化</a:t>
+            </a:r>
+          </a:p>
+        </p:txBody>
+      </p:sp>
+    </p:spTree>
+    <p:extLst>
+      <p:ext uri="{BB962C8B-B14F-4D97-AF65-F5344CB8AC3E}">
+        <p14:creationId xmlns:p14="http://schemas.microsoft.com/office/powerpoint/2010/main" val="688966095"/>
+      </p:ext>
+    </p:extLst>
+  </p:cSld>
+  <p:clrMapOvr>
+    <a:masterClrMapping/>
+  </p:clrMapOvr>
+  <p:transition>
+    <p:fade/>
+  </p:transition>
+</p:sld>
+</file>
+
+<file path=ppt/slides/slide14.xml><?xml version="1.0" encoding="utf-8"?>
+<p:sld xmlns:a="http://schemas.openxmlformats.org/drawingml/2006/main" xmlns:r="http://schemas.openxmlformats.org/officeDocument/2006/relationships" xmlns:p="http://schemas.openxmlformats.org/presentationml/2006/main">
+  <p:cSld>
+    <p:spTree>
+      <p:nvGrpSpPr>
+        <p:cNvPr id="1" name="">
+          <a:extLst>
+            <a:ext uri="{FF2B5EF4-FFF2-40B4-BE49-F238E27FC236}">
               <a16:creationId xmlns:a16="http://schemas.microsoft.com/office/drawing/2014/main" id="{2850BD48-0518-F250-7C24-874B2E6B466C}"/>
             </a:ext>
           </a:extLst>
@@ -19047,7 +19696,7 @@
 </p:sld>
 </file>
 
-<file path=ppt/slides/slide14.xml><?xml version="1.0" encoding="utf-8"?>
+<file path=ppt/slides/slide15.xml><?xml version="1.0" encoding="utf-8"?>
 <p:sld xmlns:a="http://schemas.openxmlformats.org/drawingml/2006/main" xmlns:r="http://schemas.openxmlformats.org/officeDocument/2006/relationships" xmlns:p="http://schemas.openxmlformats.org/presentationml/2006/main">
   <p:cSld>
     <p:spTree>
@@ -19559,9 +20208,7 @@
             <a:r>
               <a:rPr lang="en-US" altLang="zh-CN" sz="2200" b="1" u="sng" dirty="0">
                 <a:solidFill>
-                  <a:schemeClr val="tx1">
-                    <a:lumMod val="75000"/>
-                  </a:schemeClr>
+                  <a:schemeClr val="bg2"/>
                 </a:solidFill>
                 <a:latin typeface="+mn-ea"/>
                 <a:ea typeface="+mn-ea"/>
@@ -19571,9 +20218,7 @@
             <a:r>
               <a:rPr lang="zh-CN" altLang="en-US" sz="2200" b="1" u="sng" dirty="0">
                 <a:solidFill>
-                  <a:schemeClr val="tx1">
-                    <a:lumMod val="75000"/>
-                  </a:schemeClr>
+                  <a:schemeClr val="bg2"/>
                 </a:solidFill>
                 <a:latin typeface="+mn-ea"/>
                 <a:ea typeface="+mn-ea"/>
@@ -19583,9 +20228,7 @@
             <a:r>
               <a:rPr lang="en-US" altLang="zh-CN" sz="2200" b="1" u="sng" dirty="0">
                 <a:solidFill>
-                  <a:schemeClr val="tx1">
-                    <a:lumMod val="75000"/>
-                  </a:schemeClr>
+                  <a:schemeClr val="bg2"/>
                 </a:solidFill>
                 <a:latin typeface="+mn-ea"/>
                 <a:ea typeface="+mn-ea"/>
@@ -19595,9 +20238,7 @@
             <a:r>
               <a:rPr lang="zh-CN" altLang="en-US" sz="2200" b="1" u="sng" dirty="0">
                 <a:solidFill>
-                  <a:schemeClr val="tx1">
-                    <a:lumMod val="75000"/>
-                  </a:schemeClr>
+                  <a:schemeClr val="bg2"/>
                 </a:solidFill>
                 <a:latin typeface="+mn-ea"/>
                 <a:ea typeface="+mn-ea"/>
@@ -19607,9 +20248,7 @@
             <a:r>
               <a:rPr lang="en-US" altLang="zh-CN" sz="2200" b="1" u="sng" dirty="0">
                 <a:solidFill>
-                  <a:schemeClr val="tx1">
-                    <a:lumMod val="75000"/>
-                  </a:schemeClr>
+                  <a:schemeClr val="bg2"/>
                 </a:solidFill>
                 <a:latin typeface="+mn-ea"/>
                 <a:ea typeface="+mn-ea"/>
@@ -19619,9 +20258,7 @@
             <a:r>
               <a:rPr lang="zh-CN" altLang="en-US" sz="2200" b="1" u="sng" dirty="0">
                 <a:solidFill>
-                  <a:schemeClr val="tx1">
-                    <a:lumMod val="75000"/>
-                  </a:schemeClr>
+                  <a:schemeClr val="bg2"/>
                 </a:solidFill>
                 <a:latin typeface="+mn-ea"/>
                 <a:ea typeface="+mn-ea"/>
@@ -19631,9 +20268,7 @@
             <a:r>
               <a:rPr lang="en-US" altLang="zh-CN" sz="2200" b="1" u="sng" dirty="0">
                 <a:solidFill>
-                  <a:schemeClr val="tx1">
-                    <a:lumMod val="75000"/>
-                  </a:schemeClr>
+                  <a:schemeClr val="bg2"/>
                 </a:solidFill>
                 <a:latin typeface="+mn-ea"/>
                 <a:ea typeface="+mn-ea"/>
@@ -19643,9 +20278,7 @@
             <a:r>
               <a:rPr lang="zh-CN" altLang="en-US" sz="2200" b="1" u="sng" dirty="0">
                 <a:solidFill>
-                  <a:schemeClr val="tx1">
-                    <a:lumMod val="75000"/>
-                  </a:schemeClr>
+                  <a:schemeClr val="bg2"/>
                 </a:solidFill>
                 <a:latin typeface="+mn-ea"/>
                 <a:ea typeface="+mn-ea"/>
@@ -19655,9 +20288,7 @@
             <a:r>
               <a:rPr lang="en-US" altLang="zh-CN" sz="2200" b="1" u="sng" dirty="0">
                 <a:solidFill>
-                  <a:schemeClr val="tx1">
-                    <a:lumMod val="75000"/>
-                  </a:schemeClr>
+                  <a:schemeClr val="bg2"/>
                 </a:solidFill>
                 <a:latin typeface="+mn-ea"/>
                 <a:ea typeface="+mn-ea"/>
@@ -19667,9 +20298,7 @@
             <a:r>
               <a:rPr lang="zh-CN" altLang="en-US" sz="2200" b="1" u="sng" dirty="0">
                 <a:solidFill>
-                  <a:schemeClr val="tx1">
-                    <a:lumMod val="75000"/>
-                  </a:schemeClr>
+                  <a:schemeClr val="bg2"/>
                 </a:solidFill>
                 <a:latin typeface="+mn-ea"/>
                 <a:ea typeface="+mn-ea"/>
@@ -19679,9 +20308,7 @@
             <a:r>
               <a:rPr lang="en-US" altLang="zh-CN" sz="2200" b="1" u="sng" dirty="0">
                 <a:solidFill>
-                  <a:schemeClr val="tx1">
-                    <a:lumMod val="75000"/>
-                  </a:schemeClr>
+                  <a:schemeClr val="bg2"/>
                 </a:solidFill>
                 <a:latin typeface="+mn-ea"/>
                 <a:ea typeface="+mn-ea"/>
@@ -19691,9 +20318,7 @@
             <a:r>
               <a:rPr lang="zh-CN" altLang="en-US" sz="2200" b="1" u="sng" dirty="0">
                 <a:solidFill>
-                  <a:schemeClr val="tx1">
-                    <a:lumMod val="75000"/>
-                  </a:schemeClr>
+                  <a:schemeClr val="bg2"/>
                 </a:solidFill>
                 <a:latin typeface="+mn-ea"/>
                 <a:ea typeface="+mn-ea"/>
@@ -19702,9 +20327,7 @@
             </a:r>
             <a:endParaRPr lang="en-US" altLang="zh-CN" sz="2200" b="1" u="sng" dirty="0">
               <a:solidFill>
-                <a:schemeClr val="tx1">
-                  <a:lumMod val="75000"/>
-                </a:schemeClr>
+                <a:schemeClr val="bg2"/>
               </a:solidFill>
               <a:latin typeface="+mn-ea"/>
               <a:ea typeface="+mn-ea"/>
